--- a/Page de modification de mot de passe MANTIS v2 - Copie.pptx
+++ b/Page de modification de mot de passe MANTIS v2 - Copie.pptx
@@ -7443,7 +7443,7 @@
           <a:p>
             <a:r>
               <a:rPr lang="fr-FR" sz="1800" dirty="0"/>
-              <a:t>Le but de ce projet est de faire en sorte que les externes réinitialisent leur mot de passe directement depuis MANTIS et de façon sécurisé.</a:t>
+              <a:t>Le but de ce projet est de faire en sorte que les externes réinitialisent leur mot de passe directement depuis MANTIS et de façon sécurisée.</a:t>
             </a:r>
           </a:p>
           <a:p>
@@ -7614,7 +7614,7 @@
             <a:pPr lvl="1"/>
             <a:r>
               <a:rPr lang="fr-FR" sz="1600" dirty="0"/>
-              <a:t>Les utilisateurs externes ont-ils des accès différents pour MANTIS et la FORGE?</a:t>
+              <a:t>Les utilisateurs externes ont-ils des accès différents pour MANTIS et la FORGE dans l’annuaire ?</a:t>
             </a:r>
           </a:p>
           <a:p>
@@ -7663,7 +7663,7 @@
             <a:pPr lvl="2"/>
             <a:r>
               <a:rPr lang="fr-FR" sz="1400" dirty="0"/>
-              <a:t>On modifie le code source de MANTIS et donc il faudra faire attention lors de monter de version.</a:t>
+              <a:t>On modifie le code source de MANTIS et donc il faudra faire attention lors des montées de version.</a:t>
             </a:r>
           </a:p>
           <a:p>
@@ -7891,7 +7891,7 @@
             <a:pPr lvl="1"/>
             <a:r>
               <a:rPr lang="fr-FR" sz="1400" dirty="0"/>
-              <a:t> sera en HTTPS afin que la procédure soit sécurisé.</a:t>
+              <a:t> sera en HTTPS afin que la procédure soit sécurisée.</a:t>
             </a:r>
           </a:p>
           <a:p>
@@ -9538,19 +9538,7 @@
               <a:rPr lang="fr-FR" altLang="fr-FR" sz="1600" dirty="0">
                 <a:latin typeface="Verdana" pitchFamily="34" charset="0"/>
               </a:rPr>
-              <a:t>Retourne un message d’erreur ne précisant </a:t>
-            </a:r>
-            <a:r>
-              <a:rPr lang="fr-FR" altLang="fr-FR" sz="1600">
-                <a:latin typeface="Verdana" pitchFamily="34" charset="0"/>
-              </a:rPr>
-              <a:t>pas des informations </a:t>
-            </a:r>
-            <a:r>
-              <a:rPr lang="fr-FR" altLang="fr-FR" sz="1600" dirty="0">
-                <a:latin typeface="Verdana" pitchFamily="34" charset="0"/>
-              </a:rPr>
-              <a:t>à propos de l’adresse mail.</a:t>
+              <a:t>Retourne un message d’erreur ne précisant pas d’informations à propos de l’adresse mail.</a:t>
             </a:r>
           </a:p>
         </p:txBody>
